--- a/ppt/01_社團基本事項.pptx
+++ b/ppt/01_社團基本事項.pptx
@@ -200,7 +200,7 @@
           <a:p>
             <a:fld id="{7472AC8F-9E49-464C-9607-B43BB7648CA8}" type="datetimeFigureOut">
               <a:rPr lang="zh-TW" altLang="en-US" smtClean="0"/>
-              <a:t>2025/2/11</a:t>
+              <a:t>2025/2/12</a:t>
             </a:fld>
             <a:endParaRPr lang="zh-TW" altLang="en-US"/>
           </a:p>

--- a/ppt/01_社團基本事項.pptx
+++ b/ppt/01_社團基本事項.pptx
@@ -200,7 +200,7 @@
           <a:p>
             <a:fld id="{7472AC8F-9E49-464C-9607-B43BB7648CA8}" type="datetimeFigureOut">
               <a:rPr lang="zh-TW" altLang="en-US" smtClean="0"/>
-              <a:t>2025/2/12</a:t>
+              <a:t>2025/2/21</a:t>
             </a:fld>
             <a:endParaRPr lang="zh-TW" altLang="en-US"/>
           </a:p>
@@ -2575,6 +2575,38 @@
                 </a:hlinkClick>
               </a:rPr>
               <a:t>https://github.com/TYSHIC/slides</a:t>
+            </a:r>
+            <a:endParaRPr lang="en-US" altLang="zh-TW">
+              <a:solidFill>
+                <a:srgbClr val="FFC000"/>
+              </a:solidFill>
+            </a:endParaRPr>
+          </a:p>
+          <a:p>
+            <a:r>
+              <a:rPr lang="zh-TW" altLang="en-US"/>
+              <a:t>或連繫作者 </a:t>
+            </a:r>
+            <a:r>
+              <a:rPr lang="en-US" altLang="zh-TW"/>
+              <a:t>Myster7494</a:t>
+            </a:r>
+          </a:p>
+          <a:p>
+            <a:r>
+              <a:rPr lang="en-US" altLang="zh-TW">
+                <a:solidFill>
+                  <a:srgbClr val="FFC000"/>
+                </a:solidFill>
+                <a:hlinkClick r:id="rId3">
+                  <a:extLst>
+                    <a:ext uri="{A12FA001-AC4F-418D-AE19-62706E023703}">
+                      <ahyp:hlinkClr xmlns:ahyp="http://schemas.microsoft.com/office/drawing/2018/hyperlinkcolor" val="tx"/>
+                    </a:ext>
+                  </a:extLst>
+                </a:hlinkClick>
+              </a:rPr>
+              <a:t>https://github.com/Myster7494</a:t>
             </a:r>
             <a:endParaRPr lang="en-US" altLang="zh-TW">
               <a:solidFill>

--- a/ppt/01_社團基本事項.pptx
+++ b/ppt/01_社團基本事項.pptx
@@ -2,7 +2,7 @@
 <file path=ppt/presentation.xml><?xml version="1.0" encoding="utf-8"?>
 <p:presentation xmlns:a="http://schemas.openxmlformats.org/drawingml/2006/main" xmlns:r="http://schemas.openxmlformats.org/officeDocument/2006/relationships" xmlns:p="http://schemas.openxmlformats.org/presentationml/2006/main" saveSubsetFonts="1">
   <p:sldMasterIdLst>
-    <p:sldMasterId id="2147483726" r:id="rId1"/>
+    <p:sldMasterId id="2147483731" r:id="rId1"/>
   </p:sldMasterIdLst>
   <p:notesMasterIdLst>
     <p:notesMasterId r:id="rId6"/>
@@ -200,7 +200,7 @@
           <a:p>
             <a:fld id="{7472AC8F-9E49-464C-9607-B43BB7648CA8}" type="datetimeFigureOut">
               <a:rPr lang="zh-TW" altLang="en-US" smtClean="0"/>
-              <a:t>2025/2/21</a:t>
+              <a:t>2025/2/28</a:t>
             </a:fld>
             <a:endParaRPr lang="zh-TW" altLang="en-US"/>
           </a:p>
@@ -594,14 +594,14 @@
     </p:spTree>
     <p:extLst>
       <p:ext uri="{BB962C8B-B14F-4D97-AF65-F5344CB8AC3E}">
-        <p14:creationId xmlns:p14="http://schemas.microsoft.com/office/powerpoint/2010/main" val="385371208"/>
+        <p14:creationId xmlns:p14="http://schemas.microsoft.com/office/powerpoint/2010/main" val="1444764291"/>
       </p:ext>
     </p:extLst>
   </p:cSld>
   <p:clrMapOvr>
     <a:masterClrMapping/>
   </p:clrMapOvr>
-  <p:transition spd="slow">
+  <p:transition>
     <p:push dir="u"/>
   </p:transition>
 </p:sldLayout>
@@ -978,14 +978,14 @@
     </p:spTree>
     <p:extLst>
       <p:ext uri="{BB962C8B-B14F-4D97-AF65-F5344CB8AC3E}">
-        <p14:creationId xmlns:p14="http://schemas.microsoft.com/office/powerpoint/2010/main" val="350216980"/>
+        <p14:creationId xmlns:p14="http://schemas.microsoft.com/office/powerpoint/2010/main" val="1633240302"/>
       </p:ext>
     </p:extLst>
   </p:cSld>
   <p:clrMapOvr>
     <a:masterClrMapping/>
   </p:clrMapOvr>
-  <p:transition spd="slow">
+  <p:transition>
     <p:push dir="u"/>
   </p:transition>
 </p:sldLayout>
@@ -1305,14 +1305,14 @@
     </p:spTree>
     <p:extLst>
       <p:ext uri="{BB962C8B-B14F-4D97-AF65-F5344CB8AC3E}">
-        <p14:creationId xmlns:p14="http://schemas.microsoft.com/office/powerpoint/2010/main" val="3124511961"/>
+        <p14:creationId xmlns:p14="http://schemas.microsoft.com/office/powerpoint/2010/main" val="2354950147"/>
       </p:ext>
     </p:extLst>
   </p:cSld>
   <p:clrMapOvr>
     <a:masterClrMapping/>
   </p:clrMapOvr>
-  <p:transition spd="slow">
+  <p:transition>
     <p:push dir="u"/>
   </p:transition>
 </p:sldLayout>
@@ -1604,14 +1604,14 @@
     </p:spTree>
     <p:extLst>
       <p:ext uri="{BB962C8B-B14F-4D97-AF65-F5344CB8AC3E}">
-        <p14:creationId xmlns:p14="http://schemas.microsoft.com/office/powerpoint/2010/main" val="1284195024"/>
+        <p14:creationId xmlns:p14="http://schemas.microsoft.com/office/powerpoint/2010/main" val="981625215"/>
       </p:ext>
     </p:extLst>
   </p:cSld>
   <p:clrMapOvr>
     <a:masterClrMapping/>
   </p:clrMapOvr>
-  <p:transition spd="slow">
+  <p:transition>
     <p:push dir="u"/>
   </p:transition>
 </p:sldLayout>
@@ -1837,18 +1837,18 @@
     </p:spTree>
     <p:extLst>
       <p:ext uri="{BB962C8B-B14F-4D97-AF65-F5344CB8AC3E}">
-        <p14:creationId xmlns:p14="http://schemas.microsoft.com/office/powerpoint/2010/main" val="3534575841"/>
+        <p14:creationId xmlns:p14="http://schemas.microsoft.com/office/powerpoint/2010/main" val="3309008984"/>
       </p:ext>
     </p:extLst>
   </p:cSld>
   <p:clrMap bg1="dk1" tx1="lt1" bg2="dk2" tx2="lt2" accent1="accent1" accent2="accent2" accent3="accent3" accent4="accent4" accent5="accent5" accent6="accent6" hlink="hlink" folHlink="folHlink"/>
   <p:sldLayoutIdLst>
-    <p:sldLayoutId id="2147483727" r:id="rId1"/>
-    <p:sldLayoutId id="2147483728" r:id="rId2"/>
-    <p:sldLayoutId id="2147483729" r:id="rId3"/>
-    <p:sldLayoutId id="2147483730" r:id="rId4"/>
+    <p:sldLayoutId id="2147483732" r:id="rId1"/>
+    <p:sldLayoutId id="2147483733" r:id="rId2"/>
+    <p:sldLayoutId id="2147483734" r:id="rId3"/>
+    <p:sldLayoutId id="2147483735" r:id="rId4"/>
   </p:sldLayoutIdLst>
-  <p:transition spd="slow">
+  <p:transition>
     <p:push dir="u"/>
   </p:transition>
   <p:txStyles>
@@ -2221,7 +2221,7 @@
   <p:clrMapOvr>
     <a:masterClrMapping/>
   </p:clrMapOvr>
-  <p:transition spd="slow">
+  <p:transition>
     <p:push dir="u"/>
   </p:transition>
 </p:sld>
@@ -2350,7 +2350,7 @@
   <p:clrMapOvr>
     <a:masterClrMapping/>
   </p:clrMapOvr>
-  <p:transition spd="slow">
+  <p:transition>
     <p:push dir="u"/>
   </p:transition>
 </p:sld>
@@ -2464,7 +2464,7 @@
   <p:clrMapOvr>
     <a:masterClrMapping/>
   </p:clrMapOvr>
-  <p:transition spd="slow">
+  <p:transition>
     <p:push dir="u"/>
   </p:transition>
 </p:sld>
@@ -2585,11 +2585,23 @@
           <a:p>
             <a:r>
               <a:rPr lang="zh-TW" altLang="en-US"/>
-              <a:t>或連繫作者 </a:t>
-            </a:r>
-            <a:r>
-              <a:rPr lang="en-US" altLang="zh-TW"/>
-              <a:t>Myster7494</a:t>
+              <a:t>或連繫作者</a:t>
+            </a:r>
+            <a:r>
+              <a:rPr lang="zh-TW" altLang="en-US">
+                <a:solidFill>
+                  <a:srgbClr val="00B0F0"/>
+                </a:solidFill>
+              </a:rPr>
+              <a:t>邱顯智</a:t>
+            </a:r>
+            <a:r>
+              <a:rPr lang="en-US" altLang="zh-TW">
+                <a:solidFill>
+                  <a:srgbClr val="00B0F0"/>
+                </a:solidFill>
+              </a:rPr>
+              <a:t>(Myster7494)</a:t>
             </a:r>
           </a:p>
           <a:p>
@@ -2626,7 +2638,7 @@
   <p:clrMapOvr>
     <a:masterClrMapping/>
   </p:clrMapOvr>
-  <p:transition spd="slow">
+  <p:transition>
     <p:push dir="u"/>
   </p:transition>
 </p:sld>
@@ -2853,7 +2865,7 @@
   <a:extraClrSchemeLst/>
   <a:extLst>
     <a:ext uri="{05A4C25C-085E-4340-85A3-A5531E510DB2}">
-      <thm15:themeFamily xmlns:thm15="http://schemas.microsoft.com/office/thememl/2012/main" name="TYIC" id="{F8B8016E-470C-4FE5-A78C-33B2A9D17434}" vid="{BC6C4CDA-A093-4978-B969-B6482D48D481}"/>
+      <thm15:themeFamily xmlns:thm15="http://schemas.microsoft.com/office/thememl/2012/main" name="TYIC" id="{5F22F33A-EA50-4F22-9F2C-8A64A179567F}" vid="{3247D5A2-1B78-4AF4-9AA5-9AF4332DE771}"/>
     </a:ext>
   </a:extLst>
 </a:theme>
